--- a/マス・マーケティングは本当に終わったの.pptx
+++ b/マス・マーケティングは本当に終わったの.pptx
@@ -6060,7 +6060,126 @@
                   </a:outerShdw>
                 </a:effectLst>
               </a:rPr>
-              <a:t>マス・マーケティング以外のマーケティングにも効果がある</a:t>
+              <a:t>マス・マーケティング以外</a:t>
+            </a:r>
+            <a:r>
+              <a:rPr kumimoji="1" lang="ja-JP" altLang="en-US" sz="3600" b="1" dirty="0" smtClean="0">
+                <a:ln w="19050">
+                  <a:solidFill>
+                    <a:schemeClr val="tx2">
+                      <a:tint val="1000"/>
+                    </a:schemeClr>
+                  </a:solidFill>
+                  <a:prstDash val="solid"/>
+                </a:ln>
+                <a:solidFill>
+                  <a:schemeClr val="accent5"/>
+                </a:solidFill>
+                <a:effectLst>
+                  <a:outerShdw blurRad="50000" dist="50800" dir="7500000" algn="tl">
+                    <a:srgbClr val="000000">
+                      <a:shade val="5000"/>
+                      <a:alpha val="35000"/>
+                    </a:srgbClr>
+                  </a:outerShdw>
+                </a:effectLst>
+              </a:rPr>
+              <a:t>の</a:t>
+            </a:r>
+            <a:r>
+              <a:rPr kumimoji="1" lang="en-US" altLang="ja-JP" sz="3600" b="1" dirty="0" smtClean="0">
+                <a:ln w="19050">
+                  <a:solidFill>
+                    <a:schemeClr val="tx2">
+                      <a:tint val="1000"/>
+                    </a:schemeClr>
+                  </a:solidFill>
+                  <a:prstDash val="solid"/>
+                </a:ln>
+                <a:solidFill>
+                  <a:schemeClr val="accent5"/>
+                </a:solidFill>
+                <a:effectLst>
+                  <a:outerShdw blurRad="50000" dist="50800" dir="7500000" algn="tl">
+                    <a:srgbClr val="000000">
+                      <a:shade val="5000"/>
+                      <a:alpha val="35000"/>
+                    </a:srgbClr>
+                  </a:outerShdw>
+                </a:effectLst>
+              </a:rPr>
+              <a:t/>
+            </a:r>
+            <a:br>
+              <a:rPr kumimoji="1" lang="en-US" altLang="ja-JP" sz="3600" b="1" dirty="0" smtClean="0">
+                <a:ln w="19050">
+                  <a:solidFill>
+                    <a:schemeClr val="tx2">
+                      <a:tint val="1000"/>
+                    </a:schemeClr>
+                  </a:solidFill>
+                  <a:prstDash val="solid"/>
+                </a:ln>
+                <a:solidFill>
+                  <a:schemeClr val="accent5"/>
+                </a:solidFill>
+                <a:effectLst>
+                  <a:outerShdw blurRad="50000" dist="50800" dir="7500000" algn="tl">
+                    <a:srgbClr val="000000">
+                      <a:shade val="5000"/>
+                      <a:alpha val="35000"/>
+                    </a:srgbClr>
+                  </a:outerShdw>
+                </a:effectLst>
+              </a:rPr>
+            </a:br>
+            <a:r>
+              <a:rPr kumimoji="1" lang="ja-JP" altLang="en-US" sz="3600" b="1" dirty="0" smtClean="0">
+                <a:ln w="19050">
+                  <a:solidFill>
+                    <a:schemeClr val="tx2">
+                      <a:tint val="1000"/>
+                    </a:schemeClr>
+                  </a:solidFill>
+                  <a:prstDash val="solid"/>
+                </a:ln>
+                <a:solidFill>
+                  <a:schemeClr val="accent5"/>
+                </a:solidFill>
+                <a:effectLst>
+                  <a:outerShdw blurRad="50000" dist="50800" dir="7500000" algn="tl">
+                    <a:srgbClr val="000000">
+                      <a:shade val="5000"/>
+                      <a:alpha val="35000"/>
+                    </a:srgbClr>
+                  </a:outerShdw>
+                </a:effectLst>
+              </a:rPr>
+              <a:t>マーケティング</a:t>
+            </a:r>
+            <a:r>
+              <a:rPr kumimoji="1" lang="ja-JP" altLang="en-US" sz="3600" b="1" dirty="0" smtClean="0">
+                <a:ln w="19050">
+                  <a:solidFill>
+                    <a:schemeClr val="tx2">
+                      <a:tint val="1000"/>
+                    </a:schemeClr>
+                  </a:solidFill>
+                  <a:prstDash val="solid"/>
+                </a:ln>
+                <a:solidFill>
+                  <a:schemeClr val="accent5"/>
+                </a:solidFill>
+                <a:effectLst>
+                  <a:outerShdw blurRad="50000" dist="50800" dir="7500000" algn="tl">
+                    <a:srgbClr val="000000">
+                      <a:shade val="5000"/>
+                      <a:alpha val="35000"/>
+                    </a:srgbClr>
+                  </a:outerShdw>
+                </a:effectLst>
+              </a:rPr>
+              <a:t>にも効果がある</a:t>
             </a:r>
             <a:endParaRPr kumimoji="1" lang="ja-JP" altLang="en-US" sz="3600" b="1" dirty="0">
               <a:ln w="19050">
@@ -6486,37 +6605,7 @@
                 <a:ea typeface="メイリオ" pitchFamily="50" charset="-128"/>
                 <a:cs typeface="メイリオ" pitchFamily="50" charset="-128"/>
               </a:rPr>
-              <a:t>マス・</a:t>
-            </a:r>
-            <a:r>
-              <a:rPr kumimoji="1" lang="ja-JP" altLang="en-US" b="1" dirty="0" smtClean="0">
-                <a:ln w="19050">
-                  <a:solidFill>
-                    <a:schemeClr val="tx2">
-                      <a:tint val="1000"/>
-                    </a:schemeClr>
-                  </a:solidFill>
-                  <a:prstDash val="solid"/>
-                </a:ln>
-                <a:solidFill>
-                  <a:schemeClr val="tx1">
-                    <a:lumMod val="75000"/>
-                    <a:lumOff val="25000"/>
-                  </a:schemeClr>
-                </a:solidFill>
-                <a:effectLst>
-                  <a:outerShdw blurRad="50000" dist="50800" dir="7500000" algn="tl">
-                    <a:srgbClr val="000000">
-                      <a:shade val="5000"/>
-                      <a:alpha val="35000"/>
-                    </a:srgbClr>
-                  </a:outerShdw>
-                </a:effectLst>
-                <a:latin typeface="メイリオ" pitchFamily="50" charset="-128"/>
-                <a:ea typeface="メイリオ" pitchFamily="50" charset="-128"/>
-                <a:cs typeface="メイリオ" pitchFamily="50" charset="-128"/>
-              </a:rPr>
-              <a:t>マーケティング</a:t>
+              <a:t>マス・マーケティング</a:t>
             </a:r>
             <a:r>
               <a:rPr kumimoji="1" lang="en-US" altLang="ja-JP" b="1" dirty="0" smtClean="0">
